--- a/002_Angular/lesson_11/Presentation/Angular_Intro.pptx
+++ b/002_Angular/lesson_11/Presentation/Angular_Intro.pptx
@@ -109,6 +109,22 @@
       </a:defRPr>
     </a:lvl9pPr>
   </p:defaultTextStyle>
+  <p:extLst>
+    <p:ext uri="{EFAFB233-063F-42B5-8137-9DF3F51BA10A}">
+      <p15:sldGuideLst xmlns:p15="http://schemas.microsoft.com/office/powerpoint/2012/main">
+        <p15:guide id="1" orient="horz" pos="2160">
+          <p15:clr>
+            <a:srgbClr val="A4A3A4"/>
+          </p15:clr>
+        </p15:guide>
+        <p15:guide id="2" pos="2880">
+          <p15:clr>
+            <a:srgbClr val="A4A3A4"/>
+          </p15:clr>
+        </p15:guide>
+      </p15:sldGuideLst>
+    </p:ext>
+  </p:extLst>
 </p:presentation>
 </file>
 
@@ -167,10 +183,9 @@
           </a:lstStyle>
           <a:p>
             <a:r>
-              <a:rPr lang="en-US" dirty="0" smtClean="0"/>
+              <a:rPr lang="en-US" dirty="0"/>
               <a:t>title style</a:t>
             </a:r>
-            <a:endParaRPr lang="en-US" dirty="0"/>
           </a:p>
         </p:txBody>
       </p:sp>
@@ -290,7 +305,7 @@
           </a:lstStyle>
           <a:p>
             <a:r>
-              <a:rPr lang="ru-RU" smtClean="0"/>
+              <a:rPr lang="ru-RU"/>
               <a:t>Образец подзаголовка</a:t>
             </a:r>
             <a:endParaRPr lang="en-US" dirty="0"/>
@@ -619,20 +634,13 @@
     </p:spTree>
     <p:extLst>
       <p:ext uri="{BB962C8B-B14F-4D97-AF65-F5344CB8AC3E}">
-        <p14:creationId xmlns:p14="http://schemas.microsoft.com/office/powerpoint/2010/main" xmlns="" val="3537187278"/>
+        <p14:creationId xmlns:p14="http://schemas.microsoft.com/office/powerpoint/2010/main" val="3537187278"/>
       </p:ext>
     </p:extLst>
   </p:cSld>
   <p:clrMapOvr>
     <a:overrideClrMapping bg1="lt1" tx1="dk1" bg2="lt2" tx2="dk2" accent1="accent1" accent2="accent2" accent3="accent3" accent4="accent4" accent5="accent5" accent6="accent6" hlink="hlink" folHlink="folHlink"/>
   </p:clrMapOvr>
-  <p:timing>
-    <p:tnLst>
-      <p:par>
-        <p:cTn id="1" dur="indefinite" restart="never" nodeType="tmRoot"/>
-      </p:par>
-    </p:tnLst>
-  </p:timing>
 </p:sldLayout>
 </file>
 
@@ -665,7 +673,7 @@
           <a:blip r:embed="rId2" cstate="print">
             <a:extLst>
               <a:ext uri="{28A0092B-C50C-407E-A947-70E740481C1C}">
-                <a14:useLocalDpi xmlns:a14="http://schemas.microsoft.com/office/drawing/2010/main" xmlns="" val="0"/>
+                <a14:useLocalDpi xmlns:a14="http://schemas.microsoft.com/office/drawing/2010/main" val="0"/>
               </a:ext>
             </a:extLst>
           </a:blip>
@@ -689,14 +697,14 @@
           <a:effectLst/>
           <a:extLst>
             <a:ext uri="{909E8E84-426E-40DD-AFC4-6F175D3DCCD1}">
-              <a14:hiddenFill xmlns:a14="http://schemas.microsoft.com/office/drawing/2010/main" xmlns="">
+              <a14:hiddenFill xmlns:a14="http://schemas.microsoft.com/office/drawing/2010/main">
                 <a:solidFill>
                   <a:schemeClr val="accent1"/>
                 </a:solidFill>
               </a14:hiddenFill>
             </a:ext>
             <a:ext uri="{91240B29-F687-4F45-9708-019B960494DF}">
-              <a14:hiddenLine xmlns:a14="http://schemas.microsoft.com/office/drawing/2010/main" xmlns="" w="9525">
+              <a14:hiddenLine xmlns:a14="http://schemas.microsoft.com/office/drawing/2010/main" w="9525">
                 <a:solidFill>
                   <a:schemeClr val="tx1"/>
                 </a:solidFill>
@@ -706,7 +714,7 @@
               </a14:hiddenLine>
             </a:ext>
             <a:ext uri="{AF507438-7753-43E0-B8FC-AC1667EBCBE1}">
-              <a14:hiddenEffects xmlns:a14="http://schemas.microsoft.com/office/drawing/2010/main" xmlns="">
+              <a14:hiddenEffects xmlns:a14="http://schemas.microsoft.com/office/drawing/2010/main">
                 <a:effectLst>
                   <a:outerShdw dist="35921" dir="2700000" algn="ctr" rotWithShape="0">
                     <a:schemeClr val="bg2"/>
@@ -801,7 +809,7 @@
           </a:lstStyle>
           <a:p>
             <a:r>
-              <a:rPr lang="ru-RU" smtClean="0"/>
+              <a:rPr lang="ru-RU"/>
               <a:t>Образец заголовка</a:t>
             </a:r>
             <a:endParaRPr lang="en-US" dirty="0"/>
@@ -838,7 +846,7 @@
           <a:p>
             <a:pPr lvl="4"/>
             <a:r>
-              <a:rPr lang="en-US" dirty="0" smtClean="0"/>
+              <a:rPr lang="en-US" dirty="0"/>
               <a:t>Subtitle</a:t>
             </a:r>
           </a:p>
@@ -847,20 +855,13 @@
     </p:spTree>
     <p:extLst>
       <p:ext uri="{BB962C8B-B14F-4D97-AF65-F5344CB8AC3E}">
-        <p14:creationId xmlns:p14="http://schemas.microsoft.com/office/powerpoint/2010/main" xmlns="" val="2097366919"/>
+        <p14:creationId xmlns:p14="http://schemas.microsoft.com/office/powerpoint/2010/main" val="2097366919"/>
       </p:ext>
     </p:extLst>
   </p:cSld>
   <p:clrMapOvr>
     <a:masterClrMapping/>
   </p:clrMapOvr>
-  <p:timing>
-    <p:tnLst>
-      <p:par>
-        <p:cTn id="1" dur="indefinite" restart="never" nodeType="tmRoot"/>
-      </p:par>
-    </p:tnLst>
-  </p:timing>
 </p:sldLayout>
 </file>
 
@@ -1369,7 +1370,7 @@
     </p:spTree>
     <p:extLst>
       <p:ext uri="{BB962C8B-B14F-4D97-AF65-F5344CB8AC3E}">
-        <p14:creationId xmlns="" xmlns:p14="http://schemas.microsoft.com/office/powerpoint/2010/main" val="3537187278"/>
+        <p14:creationId xmlns:p14="http://schemas.microsoft.com/office/powerpoint/2010/main" val="3537187278"/>
       </p:ext>
     </p:extLst>
   </p:cSld>
@@ -1427,7 +1428,7 @@
           <a:lstStyle/>
           <a:p>
             <a:r>
-              <a:rPr lang="ru-RU" smtClean="0"/>
+              <a:rPr lang="ru-RU"/>
               <a:t>Образец заголовка</a:t>
             </a:r>
             <a:endParaRPr lang="en-US"/>
@@ -1437,7 +1438,7 @@
     </p:spTree>
     <p:extLst>
       <p:ext uri="{BB962C8B-B14F-4D97-AF65-F5344CB8AC3E}">
-        <p14:creationId xmlns:p14="http://schemas.microsoft.com/office/powerpoint/2010/main" xmlns="" val="779007194"/>
+        <p14:creationId xmlns:p14="http://schemas.microsoft.com/office/powerpoint/2010/main" val="779007194"/>
       </p:ext>
     </p:extLst>
   </p:cSld>
@@ -1447,13 +1448,6 @@
     <p:sldLayoutId id="2147483662" r:id="rId2"/>
     <p:sldLayoutId id="2147483663" r:id="rId3"/>
   </p:sldLayoutIdLst>
-  <p:timing>
-    <p:tnLst>
-      <p:par>
-        <p:cTn id="1" dur="indefinite" restart="never" nodeType="tmRoot"/>
-      </p:par>
-    </p:tnLst>
-  </p:timing>
   <p:txStyles>
     <p:titleStyle>
       <a:lvl1pPr algn="ctr" defTabSz="914400" rtl="0" eaLnBrk="1" latinLnBrk="0" hangingPunct="1">
@@ -1793,11 +1787,11 @@
           <a:lstStyle/>
           <a:p>
             <a:r>
-              <a:rPr lang="en-US" sz="2700" dirty="0" smtClean="0">
+              <a:rPr lang="en-US" sz="2700" dirty="0">
                 <a:solidFill>
                   <a:schemeClr val="bg1"/>
                 </a:solidFill>
-                <a:latin typeface="Roboto Thin" panose="02000000000000000000" pitchFamily="2" charset="0"/>
+                <a:latin typeface="Calibri Light" panose="020F0302020204030204" pitchFamily="34" charset="0"/>
                 <a:ea typeface="Roboto Thin" panose="02000000000000000000" pitchFamily="2" charset="0"/>
                 <a:cs typeface="Roboto Thin" panose="02000000000000000000" pitchFamily="2" charset="0"/>
               </a:rPr>
@@ -1807,248 +1801,13 @@
               <a:solidFill>
                 <a:srgbClr val="7564BC"/>
               </a:solidFill>
-              <a:latin typeface="Roboto Thin" panose="02000000000000000000" pitchFamily="2" charset="0"/>
+              <a:latin typeface="Calibri Light" panose="020F0302020204030204" pitchFamily="34" charset="0"/>
               <a:ea typeface="Roboto Thin" panose="02000000000000000000" pitchFamily="2" charset="0"/>
               <a:cs typeface="Roboto Thin" panose="02000000000000000000" pitchFamily="2" charset="0"/>
             </a:endParaRPr>
           </a:p>
         </p:txBody>
       </p:sp>
-      <p:sp>
-        <p:nvSpPr>
-          <p:cNvPr id="6" name="Subtitle 2"/>
-          <p:cNvSpPr txBox="1">
-            <a:spLocks/>
-          </p:cNvSpPr>
-          <p:nvPr/>
-        </p:nvSpPr>
-        <p:spPr>
-          <a:xfrm>
-            <a:off x="806449" y="1281006"/>
-            <a:ext cx="6322695" cy="507831"/>
-          </a:xfrm>
-          <a:prstGeom prst="rect">
-            <a:avLst/>
-          </a:prstGeom>
-        </p:spPr>
-        <p:txBody>
-          <a:bodyPr wrap="square">
-            <a:spAutoFit/>
-          </a:bodyPr>
-          <a:lstStyle>
-            <a:lvl1pPr marL="0" indent="0" algn="l" defTabSz="914400" rtl="0" eaLnBrk="1" latinLnBrk="0" hangingPunct="1">
-              <a:spcBef>
-                <a:spcPct val="20000"/>
-              </a:spcBef>
-              <a:buFont typeface="Arial" pitchFamily="34" charset="0"/>
-              <a:buNone/>
-              <a:defRPr sz="3200" kern="1200">
-                <a:solidFill>
-                  <a:schemeClr val="tx1">
-                    <a:tint val="75000"/>
-                  </a:schemeClr>
-                </a:solidFill>
-                <a:latin typeface="+mj-lt"/>
-                <a:ea typeface="+mn-ea"/>
-                <a:cs typeface="+mn-cs"/>
-              </a:defRPr>
-            </a:lvl1pPr>
-            <a:lvl2pPr marL="457200" indent="0" algn="ctr" defTabSz="914400" rtl="0" eaLnBrk="1" latinLnBrk="0" hangingPunct="1">
-              <a:spcBef>
-                <a:spcPct val="20000"/>
-              </a:spcBef>
-              <a:buFont typeface="Arial" pitchFamily="34" charset="0"/>
-              <a:buNone/>
-              <a:defRPr sz="2800" kern="1200">
-                <a:solidFill>
-                  <a:schemeClr val="tx1">
-                    <a:tint val="75000"/>
-                  </a:schemeClr>
-                </a:solidFill>
-                <a:latin typeface="+mn-lt"/>
-                <a:ea typeface="+mn-ea"/>
-                <a:cs typeface="+mn-cs"/>
-              </a:defRPr>
-            </a:lvl2pPr>
-            <a:lvl3pPr marL="914400" indent="0" algn="ctr" defTabSz="914400" rtl="0" eaLnBrk="1" latinLnBrk="0" hangingPunct="1">
-              <a:spcBef>
-                <a:spcPct val="20000"/>
-              </a:spcBef>
-              <a:buFont typeface="Arial" pitchFamily="34" charset="0"/>
-              <a:buNone/>
-              <a:defRPr sz="2400" kern="1200">
-                <a:solidFill>
-                  <a:schemeClr val="tx1">
-                    <a:tint val="75000"/>
-                  </a:schemeClr>
-                </a:solidFill>
-                <a:latin typeface="+mn-lt"/>
-                <a:ea typeface="+mn-ea"/>
-                <a:cs typeface="+mn-cs"/>
-              </a:defRPr>
-            </a:lvl3pPr>
-            <a:lvl4pPr marL="1371600" indent="0" algn="ctr" defTabSz="914400" rtl="0" eaLnBrk="1" latinLnBrk="0" hangingPunct="1">
-              <a:spcBef>
-                <a:spcPct val="20000"/>
-              </a:spcBef>
-              <a:buFont typeface="Arial" pitchFamily="34" charset="0"/>
-              <a:buNone/>
-              <a:defRPr sz="2000" kern="1200">
-                <a:solidFill>
-                  <a:schemeClr val="tx1">
-                    <a:tint val="75000"/>
-                  </a:schemeClr>
-                </a:solidFill>
-                <a:latin typeface="+mn-lt"/>
-                <a:ea typeface="+mn-ea"/>
-                <a:cs typeface="+mn-cs"/>
-              </a:defRPr>
-            </a:lvl4pPr>
-            <a:lvl5pPr marL="1828800" indent="0" algn="ctr" defTabSz="914400" rtl="0" eaLnBrk="1" latinLnBrk="0" hangingPunct="1">
-              <a:spcBef>
-                <a:spcPct val="20000"/>
-              </a:spcBef>
-              <a:buFont typeface="Arial" pitchFamily="34" charset="0"/>
-              <a:buNone/>
-              <a:defRPr sz="2000" kern="1200">
-                <a:solidFill>
-                  <a:schemeClr val="tx1">
-                    <a:tint val="75000"/>
-                  </a:schemeClr>
-                </a:solidFill>
-                <a:latin typeface="+mn-lt"/>
-                <a:ea typeface="+mn-ea"/>
-                <a:cs typeface="+mn-cs"/>
-              </a:defRPr>
-            </a:lvl5pPr>
-            <a:lvl6pPr marL="2286000" indent="0" algn="ctr" defTabSz="914400" rtl="0" eaLnBrk="1" latinLnBrk="0" hangingPunct="1">
-              <a:spcBef>
-                <a:spcPct val="20000"/>
-              </a:spcBef>
-              <a:buFont typeface="Arial" pitchFamily="34" charset="0"/>
-              <a:buNone/>
-              <a:defRPr sz="2000" kern="1200">
-                <a:solidFill>
-                  <a:schemeClr val="tx1">
-                    <a:tint val="75000"/>
-                  </a:schemeClr>
-                </a:solidFill>
-                <a:latin typeface="+mn-lt"/>
-                <a:ea typeface="+mn-ea"/>
-                <a:cs typeface="+mn-cs"/>
-              </a:defRPr>
-            </a:lvl6pPr>
-            <a:lvl7pPr marL="2743200" indent="0" algn="ctr" defTabSz="914400" rtl="0" eaLnBrk="1" latinLnBrk="0" hangingPunct="1">
-              <a:spcBef>
-                <a:spcPct val="20000"/>
-              </a:spcBef>
-              <a:buFont typeface="Arial" pitchFamily="34" charset="0"/>
-              <a:buNone/>
-              <a:defRPr sz="2000" kern="1200">
-                <a:solidFill>
-                  <a:schemeClr val="tx1">
-                    <a:tint val="75000"/>
-                  </a:schemeClr>
-                </a:solidFill>
-                <a:latin typeface="+mn-lt"/>
-                <a:ea typeface="+mn-ea"/>
-                <a:cs typeface="+mn-cs"/>
-              </a:defRPr>
-            </a:lvl7pPr>
-            <a:lvl8pPr marL="3200400" indent="0" algn="ctr" defTabSz="914400" rtl="0" eaLnBrk="1" latinLnBrk="0" hangingPunct="1">
-              <a:spcBef>
-                <a:spcPct val="20000"/>
-              </a:spcBef>
-              <a:buFont typeface="Arial" pitchFamily="34" charset="0"/>
-              <a:buNone/>
-              <a:defRPr sz="2000" kern="1200">
-                <a:solidFill>
-                  <a:schemeClr val="tx1">
-                    <a:tint val="75000"/>
-                  </a:schemeClr>
-                </a:solidFill>
-                <a:latin typeface="+mn-lt"/>
-                <a:ea typeface="+mn-ea"/>
-                <a:cs typeface="+mn-cs"/>
-              </a:defRPr>
-            </a:lvl8pPr>
-            <a:lvl9pPr marL="3657600" indent="0" algn="ctr" defTabSz="914400" rtl="0" eaLnBrk="1" latinLnBrk="0" hangingPunct="1">
-              <a:spcBef>
-                <a:spcPct val="20000"/>
-              </a:spcBef>
-              <a:buFont typeface="Arial" pitchFamily="34" charset="0"/>
-              <a:buNone/>
-              <a:defRPr sz="2000" kern="1200">
-                <a:solidFill>
-                  <a:schemeClr val="tx1">
-                    <a:tint val="75000"/>
-                  </a:schemeClr>
-                </a:solidFill>
-                <a:latin typeface="+mn-lt"/>
-                <a:ea typeface="+mn-ea"/>
-                <a:cs typeface="+mn-cs"/>
-              </a:defRPr>
-            </a:lvl9pPr>
-          </a:lstStyle>
-          <a:p>
-            <a:r>
-              <a:rPr lang="en-US" sz="2700" dirty="0">
-                <a:solidFill>
-                  <a:schemeClr val="tx1">
-                    <a:lumMod val="90000"/>
-                    <a:lumOff val="10000"/>
-                  </a:schemeClr>
-                </a:solidFill>
-                <a:latin typeface="Roboto Light" panose="02000000000000000000" pitchFamily="2" charset="0"/>
-                <a:ea typeface="Roboto Light" panose="02000000000000000000" pitchFamily="2" charset="0"/>
-                <a:cs typeface="Roboto Light" panose="02000000000000000000" pitchFamily="2" charset="0"/>
-              </a:rPr>
-              <a:t>The JavaScript Programming Language</a:t>
-            </a:r>
-          </a:p>
-        </p:txBody>
-      </p:sp>
-      <p:pic>
-        <p:nvPicPr>
-          <p:cNvPr id="1028" name="Picture 4" descr="C:\Users\Darick\Desktop\Mmww2.png"/>
-          <p:cNvPicPr>
-            <a:picLocks noChangeAspect="1" noChangeArrowheads="1"/>
-          </p:cNvPicPr>
-          <p:nvPr/>
-        </p:nvPicPr>
-        <p:blipFill>
-          <a:blip r:embed="rId2" cstate="print">
-            <a:extLst>
-              <a:ext uri="{28A0092B-C50C-407E-A947-70E740481C1C}">
-                <a14:useLocalDpi xmlns="" xmlns:a14="http://schemas.microsoft.com/office/drawing/2010/main" val="0"/>
-              </a:ext>
-            </a:extLst>
-          </a:blip>
-          <a:srcRect/>
-          <a:stretch>
-            <a:fillRect/>
-          </a:stretch>
-        </p:blipFill>
-        <p:spPr bwMode="auto">
-          <a:xfrm>
-            <a:off x="1" y="698501"/>
-            <a:ext cx="809625" cy="1079500"/>
-          </a:xfrm>
-          <a:prstGeom prst="rect">
-            <a:avLst/>
-          </a:prstGeom>
-          <a:noFill/>
-          <a:extLst>
-            <a:ext uri="{909E8E84-426E-40DD-AFC4-6F175D3DCCD1}">
-              <a14:hiddenFill xmlns="" xmlns:a14="http://schemas.microsoft.com/office/drawing/2010/main">
-                <a:solidFill>
-                  <a:srgbClr val="FFFFFF"/>
-                </a:solidFill>
-              </a14:hiddenFill>
-            </a:ext>
-          </a:extLst>
-        </p:spPr>
-      </p:pic>
       <p:sp>
         <p:nvSpPr>
           <p:cNvPr id="5" name="TextBox 4"/>
@@ -2072,29 +1831,479 @@
           <a:lstStyle/>
           <a:p>
             <a:r>
-              <a:rPr lang="ru-RU" sz="4400" dirty="0" smtClean="0">
+              <a:rPr lang="ru-RU" sz="4400" dirty="0">
                 <a:solidFill>
                   <a:srgbClr val="7564BC"/>
                 </a:solidFill>
+                <a:latin typeface="Calibri" panose="020F0502020204030204" pitchFamily="34" charset="0"/>
               </a:rPr>
               <a:t>Введение в </a:t>
             </a:r>
             <a:r>
-              <a:rPr lang="en-US" sz="4400" dirty="0" smtClean="0">
+              <a:rPr lang="en-US" sz="4400" dirty="0">
                 <a:solidFill>
                   <a:srgbClr val="7564BC"/>
                 </a:solidFill>
+                <a:latin typeface="Calibri" panose="020F0502020204030204" pitchFamily="34" charset="0"/>
               </a:rPr>
               <a:t>Angular JS</a:t>
             </a:r>
-            <a:endParaRPr lang="en-US" dirty="0"/>
+            <a:endParaRPr lang="en-US" dirty="0">
+              <a:latin typeface="Calibri" panose="020F0502020204030204" pitchFamily="34" charset="0"/>
+            </a:endParaRPr>
           </a:p>
         </p:txBody>
       </p:sp>
+      <p:grpSp>
+        <p:nvGrpSpPr>
+          <p:cNvPr id="8" name="Group 7"/>
+          <p:cNvGrpSpPr/>
+          <p:nvPr/>
+        </p:nvGrpSpPr>
+        <p:grpSpPr>
+          <a:xfrm>
+            <a:off x="976312" y="1284918"/>
+            <a:ext cx="7890676" cy="981439"/>
+            <a:chOff x="976312" y="1284918"/>
+            <a:chExt cx="7890676" cy="981439"/>
+          </a:xfrm>
+        </p:grpSpPr>
+        <p:sp>
+          <p:nvSpPr>
+            <p:cNvPr id="9" name="Subtitle 2"/>
+            <p:cNvSpPr txBox="1">
+              <a:spLocks/>
+            </p:cNvSpPr>
+            <p:nvPr/>
+          </p:nvSpPr>
+          <p:spPr>
+            <a:xfrm>
+              <a:off x="1888060" y="1521428"/>
+              <a:ext cx="6322695" cy="507831"/>
+            </a:xfrm>
+            <a:prstGeom prst="rect">
+              <a:avLst/>
+            </a:prstGeom>
+          </p:spPr>
+          <p:txBody>
+            <a:bodyPr wrap="square">
+              <a:spAutoFit/>
+            </a:bodyPr>
+            <a:lstStyle>
+              <a:lvl1pPr marL="0" indent="0" algn="l" defTabSz="914400" rtl="0" eaLnBrk="1" latinLnBrk="0" hangingPunct="1">
+                <a:spcBef>
+                  <a:spcPct val="20000"/>
+                </a:spcBef>
+                <a:buFont typeface="Arial" pitchFamily="34" charset="0"/>
+                <a:buNone/>
+                <a:defRPr sz="3200" kern="1200">
+                  <a:solidFill>
+                    <a:schemeClr val="tx1">
+                      <a:tint val="75000"/>
+                    </a:schemeClr>
+                  </a:solidFill>
+                  <a:latin typeface="+mj-lt"/>
+                  <a:ea typeface="+mn-ea"/>
+                  <a:cs typeface="+mn-cs"/>
+                </a:defRPr>
+              </a:lvl1pPr>
+              <a:lvl2pPr marL="457200" indent="0" algn="ctr" defTabSz="914400" rtl="0" eaLnBrk="1" latinLnBrk="0" hangingPunct="1">
+                <a:spcBef>
+                  <a:spcPct val="20000"/>
+                </a:spcBef>
+                <a:buFont typeface="Arial" pitchFamily="34" charset="0"/>
+                <a:buNone/>
+                <a:defRPr sz="2800" kern="1200">
+                  <a:solidFill>
+                    <a:schemeClr val="tx1">
+                      <a:tint val="75000"/>
+                    </a:schemeClr>
+                  </a:solidFill>
+                  <a:latin typeface="+mn-lt"/>
+                  <a:ea typeface="+mn-ea"/>
+                  <a:cs typeface="+mn-cs"/>
+                </a:defRPr>
+              </a:lvl2pPr>
+              <a:lvl3pPr marL="914400" indent="0" algn="ctr" defTabSz="914400" rtl="0" eaLnBrk="1" latinLnBrk="0" hangingPunct="1">
+                <a:spcBef>
+                  <a:spcPct val="20000"/>
+                </a:spcBef>
+                <a:buFont typeface="Arial" pitchFamily="34" charset="0"/>
+                <a:buNone/>
+                <a:defRPr sz="2400" kern="1200">
+                  <a:solidFill>
+                    <a:schemeClr val="tx1">
+                      <a:tint val="75000"/>
+                    </a:schemeClr>
+                  </a:solidFill>
+                  <a:latin typeface="+mn-lt"/>
+                  <a:ea typeface="+mn-ea"/>
+                  <a:cs typeface="+mn-cs"/>
+                </a:defRPr>
+              </a:lvl3pPr>
+              <a:lvl4pPr marL="1371600" indent="0" algn="ctr" defTabSz="914400" rtl="0" eaLnBrk="1" latinLnBrk="0" hangingPunct="1">
+                <a:spcBef>
+                  <a:spcPct val="20000"/>
+                </a:spcBef>
+                <a:buFont typeface="Arial" pitchFamily="34" charset="0"/>
+                <a:buNone/>
+                <a:defRPr sz="2000" kern="1200">
+                  <a:solidFill>
+                    <a:schemeClr val="tx1">
+                      <a:tint val="75000"/>
+                    </a:schemeClr>
+                  </a:solidFill>
+                  <a:latin typeface="+mn-lt"/>
+                  <a:ea typeface="+mn-ea"/>
+                  <a:cs typeface="+mn-cs"/>
+                </a:defRPr>
+              </a:lvl4pPr>
+              <a:lvl5pPr marL="1828800" indent="0" algn="ctr" defTabSz="914400" rtl="0" eaLnBrk="1" latinLnBrk="0" hangingPunct="1">
+                <a:spcBef>
+                  <a:spcPct val="20000"/>
+                </a:spcBef>
+                <a:buFont typeface="Arial" pitchFamily="34" charset="0"/>
+                <a:buNone/>
+                <a:defRPr sz="2000" kern="1200">
+                  <a:solidFill>
+                    <a:schemeClr val="tx1">
+                      <a:tint val="75000"/>
+                    </a:schemeClr>
+                  </a:solidFill>
+                  <a:latin typeface="+mn-lt"/>
+                  <a:ea typeface="+mn-ea"/>
+                  <a:cs typeface="+mn-cs"/>
+                </a:defRPr>
+              </a:lvl5pPr>
+              <a:lvl6pPr marL="2286000" indent="0" algn="ctr" defTabSz="914400" rtl="0" eaLnBrk="1" latinLnBrk="0" hangingPunct="1">
+                <a:spcBef>
+                  <a:spcPct val="20000"/>
+                </a:spcBef>
+                <a:buFont typeface="Arial" pitchFamily="34" charset="0"/>
+                <a:buNone/>
+                <a:defRPr sz="2000" kern="1200">
+                  <a:solidFill>
+                    <a:schemeClr val="tx1">
+                      <a:tint val="75000"/>
+                    </a:schemeClr>
+                  </a:solidFill>
+                  <a:latin typeface="+mn-lt"/>
+                  <a:ea typeface="+mn-ea"/>
+                  <a:cs typeface="+mn-cs"/>
+                </a:defRPr>
+              </a:lvl6pPr>
+              <a:lvl7pPr marL="2743200" indent="0" algn="ctr" defTabSz="914400" rtl="0" eaLnBrk="1" latinLnBrk="0" hangingPunct="1">
+                <a:spcBef>
+                  <a:spcPct val="20000"/>
+                </a:spcBef>
+                <a:buFont typeface="Arial" pitchFamily="34" charset="0"/>
+                <a:buNone/>
+                <a:defRPr sz="2000" kern="1200">
+                  <a:solidFill>
+                    <a:schemeClr val="tx1">
+                      <a:tint val="75000"/>
+                    </a:schemeClr>
+                  </a:solidFill>
+                  <a:latin typeface="+mn-lt"/>
+                  <a:ea typeface="+mn-ea"/>
+                  <a:cs typeface="+mn-cs"/>
+                </a:defRPr>
+              </a:lvl7pPr>
+              <a:lvl8pPr marL="3200400" indent="0" algn="ctr" defTabSz="914400" rtl="0" eaLnBrk="1" latinLnBrk="0" hangingPunct="1">
+                <a:spcBef>
+                  <a:spcPct val="20000"/>
+                </a:spcBef>
+                <a:buFont typeface="Arial" pitchFamily="34" charset="0"/>
+                <a:buNone/>
+                <a:defRPr sz="2000" kern="1200">
+                  <a:solidFill>
+                    <a:schemeClr val="tx1">
+                      <a:tint val="75000"/>
+                    </a:schemeClr>
+                  </a:solidFill>
+                  <a:latin typeface="+mn-lt"/>
+                  <a:ea typeface="+mn-ea"/>
+                  <a:cs typeface="+mn-cs"/>
+                </a:defRPr>
+              </a:lvl8pPr>
+              <a:lvl9pPr marL="3657600" indent="0" algn="ctr" defTabSz="914400" rtl="0" eaLnBrk="1" latinLnBrk="0" hangingPunct="1">
+                <a:spcBef>
+                  <a:spcPct val="20000"/>
+                </a:spcBef>
+                <a:buFont typeface="Arial" pitchFamily="34" charset="0"/>
+                <a:buNone/>
+                <a:defRPr sz="2000" kern="1200">
+                  <a:solidFill>
+                    <a:schemeClr val="tx1">
+                      <a:tint val="75000"/>
+                    </a:schemeClr>
+                  </a:solidFill>
+                  <a:latin typeface="+mn-lt"/>
+                  <a:ea typeface="+mn-ea"/>
+                  <a:cs typeface="+mn-cs"/>
+                </a:defRPr>
+              </a:lvl9pPr>
+            </a:lstStyle>
+            <a:p>
+              <a:r>
+                <a:rPr lang="en-US" sz="2700" dirty="0">
+                  <a:solidFill>
+                    <a:schemeClr val="tx1"/>
+                  </a:solidFill>
+                  <a:latin typeface="Calibri" panose="020F0502020204030204" pitchFamily="34" charset="0"/>
+                  <a:ea typeface="Roboto Light" panose="02000000000000000000" pitchFamily="2" charset="0"/>
+                  <a:cs typeface="Roboto Light" panose="02000000000000000000" pitchFamily="2" charset="0"/>
+                </a:rPr>
+                <a:t>NGULAR</a:t>
+              </a:r>
+              <a:r>
+                <a:rPr lang="en-US" sz="2700" dirty="0">
+                  <a:solidFill>
+                    <a:srgbClr val="C00000"/>
+                  </a:solidFill>
+                  <a:latin typeface="Calibri" panose="020F0502020204030204" pitchFamily="34" charset="0"/>
+                  <a:ea typeface="Roboto Light" panose="02000000000000000000" pitchFamily="2" charset="0"/>
+                  <a:cs typeface="Roboto Light" panose="02000000000000000000" pitchFamily="2" charset="0"/>
+                </a:rPr>
+                <a:t>JS</a:t>
+              </a:r>
+              <a:endParaRPr lang="en-US" sz="2700" dirty="0">
+                <a:solidFill>
+                  <a:schemeClr val="tx1"/>
+                </a:solidFill>
+                <a:latin typeface="Calibri" panose="020F0502020204030204" pitchFamily="34" charset="0"/>
+                <a:ea typeface="Roboto Light" panose="02000000000000000000" pitchFamily="2" charset="0"/>
+                <a:cs typeface="Roboto Light" panose="02000000000000000000" pitchFamily="2" charset="0"/>
+              </a:endParaRPr>
+            </a:p>
+          </p:txBody>
+        </p:sp>
+        <p:pic>
+          <p:nvPicPr>
+            <p:cNvPr id="10" name="Picture 9"/>
+            <p:cNvPicPr>
+              <a:picLocks noChangeAspect="1"/>
+            </p:cNvPicPr>
+            <p:nvPr/>
+          </p:nvPicPr>
+          <p:blipFill>
+            <a:blip r:embed="rId2" cstate="print">
+              <a:extLst>
+                <a:ext uri="{28A0092B-C50C-407E-A947-70E740481C1C}">
+                  <a14:useLocalDpi xmlns:a14="http://schemas.microsoft.com/office/drawing/2010/main" val="0"/>
+                </a:ext>
+              </a:extLst>
+            </a:blip>
+            <a:stretch>
+              <a:fillRect/>
+            </a:stretch>
+          </p:blipFill>
+          <p:spPr>
+            <a:xfrm>
+              <a:off x="976312" y="1284918"/>
+              <a:ext cx="925816" cy="981439"/>
+            </a:xfrm>
+            <a:prstGeom prst="rect">
+              <a:avLst/>
+            </a:prstGeom>
+          </p:spPr>
+        </p:pic>
+        <p:sp>
+          <p:nvSpPr>
+            <p:cNvPr id="11" name="Subtitle 2"/>
+            <p:cNvSpPr txBox="1">
+              <a:spLocks/>
+            </p:cNvSpPr>
+            <p:nvPr/>
+          </p:nvSpPr>
+          <p:spPr>
+            <a:xfrm>
+              <a:off x="2544293" y="1905156"/>
+              <a:ext cx="6322695" cy="338554"/>
+            </a:xfrm>
+            <a:prstGeom prst="rect">
+              <a:avLst/>
+            </a:prstGeom>
+          </p:spPr>
+          <p:txBody>
+            <a:bodyPr wrap="square">
+              <a:spAutoFit/>
+            </a:bodyPr>
+            <a:lstStyle>
+              <a:lvl1pPr marL="0" indent="0" algn="l" defTabSz="914400" rtl="0" eaLnBrk="1" latinLnBrk="0" hangingPunct="1">
+                <a:spcBef>
+                  <a:spcPct val="20000"/>
+                </a:spcBef>
+                <a:buFont typeface="Arial" pitchFamily="34" charset="0"/>
+                <a:buNone/>
+                <a:defRPr sz="3200" kern="1200">
+                  <a:solidFill>
+                    <a:schemeClr val="tx1">
+                      <a:tint val="75000"/>
+                    </a:schemeClr>
+                  </a:solidFill>
+                  <a:latin typeface="+mj-lt"/>
+                  <a:ea typeface="+mn-ea"/>
+                  <a:cs typeface="+mn-cs"/>
+                </a:defRPr>
+              </a:lvl1pPr>
+              <a:lvl2pPr marL="457200" indent="0" algn="ctr" defTabSz="914400" rtl="0" eaLnBrk="1" latinLnBrk="0" hangingPunct="1">
+                <a:spcBef>
+                  <a:spcPct val="20000"/>
+                </a:spcBef>
+                <a:buFont typeface="Arial" pitchFamily="34" charset="0"/>
+                <a:buNone/>
+                <a:defRPr sz="2800" kern="1200">
+                  <a:solidFill>
+                    <a:schemeClr val="tx1">
+                      <a:tint val="75000"/>
+                    </a:schemeClr>
+                  </a:solidFill>
+                  <a:latin typeface="+mn-lt"/>
+                  <a:ea typeface="+mn-ea"/>
+                  <a:cs typeface="+mn-cs"/>
+                </a:defRPr>
+              </a:lvl2pPr>
+              <a:lvl3pPr marL="914400" indent="0" algn="ctr" defTabSz="914400" rtl="0" eaLnBrk="1" latinLnBrk="0" hangingPunct="1">
+                <a:spcBef>
+                  <a:spcPct val="20000"/>
+                </a:spcBef>
+                <a:buFont typeface="Arial" pitchFamily="34" charset="0"/>
+                <a:buNone/>
+                <a:defRPr sz="2400" kern="1200">
+                  <a:solidFill>
+                    <a:schemeClr val="tx1">
+                      <a:tint val="75000"/>
+                    </a:schemeClr>
+                  </a:solidFill>
+                  <a:latin typeface="+mn-lt"/>
+                  <a:ea typeface="+mn-ea"/>
+                  <a:cs typeface="+mn-cs"/>
+                </a:defRPr>
+              </a:lvl3pPr>
+              <a:lvl4pPr marL="1371600" indent="0" algn="ctr" defTabSz="914400" rtl="0" eaLnBrk="1" latinLnBrk="0" hangingPunct="1">
+                <a:spcBef>
+                  <a:spcPct val="20000"/>
+                </a:spcBef>
+                <a:buFont typeface="Arial" pitchFamily="34" charset="0"/>
+                <a:buNone/>
+                <a:defRPr sz="2000" kern="1200">
+                  <a:solidFill>
+                    <a:schemeClr val="tx1">
+                      <a:tint val="75000"/>
+                    </a:schemeClr>
+                  </a:solidFill>
+                  <a:latin typeface="+mn-lt"/>
+                  <a:ea typeface="+mn-ea"/>
+                  <a:cs typeface="+mn-cs"/>
+                </a:defRPr>
+              </a:lvl4pPr>
+              <a:lvl5pPr marL="1828800" indent="0" algn="ctr" defTabSz="914400" rtl="0" eaLnBrk="1" latinLnBrk="0" hangingPunct="1">
+                <a:spcBef>
+                  <a:spcPct val="20000"/>
+                </a:spcBef>
+                <a:buFont typeface="Arial" pitchFamily="34" charset="0"/>
+                <a:buNone/>
+                <a:defRPr sz="2000" kern="1200">
+                  <a:solidFill>
+                    <a:schemeClr val="tx1">
+                      <a:tint val="75000"/>
+                    </a:schemeClr>
+                  </a:solidFill>
+                  <a:latin typeface="+mn-lt"/>
+                  <a:ea typeface="+mn-ea"/>
+                  <a:cs typeface="+mn-cs"/>
+                </a:defRPr>
+              </a:lvl5pPr>
+              <a:lvl6pPr marL="2286000" indent="0" algn="ctr" defTabSz="914400" rtl="0" eaLnBrk="1" latinLnBrk="0" hangingPunct="1">
+                <a:spcBef>
+                  <a:spcPct val="20000"/>
+                </a:spcBef>
+                <a:buFont typeface="Arial" pitchFamily="34" charset="0"/>
+                <a:buNone/>
+                <a:defRPr sz="2000" kern="1200">
+                  <a:solidFill>
+                    <a:schemeClr val="tx1">
+                      <a:tint val="75000"/>
+                    </a:schemeClr>
+                  </a:solidFill>
+                  <a:latin typeface="+mn-lt"/>
+                  <a:ea typeface="+mn-ea"/>
+                  <a:cs typeface="+mn-cs"/>
+                </a:defRPr>
+              </a:lvl6pPr>
+              <a:lvl7pPr marL="2743200" indent="0" algn="ctr" defTabSz="914400" rtl="0" eaLnBrk="1" latinLnBrk="0" hangingPunct="1">
+                <a:spcBef>
+                  <a:spcPct val="20000"/>
+                </a:spcBef>
+                <a:buFont typeface="Arial" pitchFamily="34" charset="0"/>
+                <a:buNone/>
+                <a:defRPr sz="2000" kern="1200">
+                  <a:solidFill>
+                    <a:schemeClr val="tx1">
+                      <a:tint val="75000"/>
+                    </a:schemeClr>
+                  </a:solidFill>
+                  <a:latin typeface="+mn-lt"/>
+                  <a:ea typeface="+mn-ea"/>
+                  <a:cs typeface="+mn-cs"/>
+                </a:defRPr>
+              </a:lvl7pPr>
+              <a:lvl8pPr marL="3200400" indent="0" algn="ctr" defTabSz="914400" rtl="0" eaLnBrk="1" latinLnBrk="0" hangingPunct="1">
+                <a:spcBef>
+                  <a:spcPct val="20000"/>
+                </a:spcBef>
+                <a:buFont typeface="Arial" pitchFamily="34" charset="0"/>
+                <a:buNone/>
+                <a:defRPr sz="2000" kern="1200">
+                  <a:solidFill>
+                    <a:schemeClr val="tx1">
+                      <a:tint val="75000"/>
+                    </a:schemeClr>
+                  </a:solidFill>
+                  <a:latin typeface="+mn-lt"/>
+                  <a:ea typeface="+mn-ea"/>
+                  <a:cs typeface="+mn-cs"/>
+                </a:defRPr>
+              </a:lvl8pPr>
+              <a:lvl9pPr marL="3657600" indent="0" algn="ctr" defTabSz="914400" rtl="0" eaLnBrk="1" latinLnBrk="0" hangingPunct="1">
+                <a:spcBef>
+                  <a:spcPct val="20000"/>
+                </a:spcBef>
+                <a:buFont typeface="Arial" pitchFamily="34" charset="0"/>
+                <a:buNone/>
+                <a:defRPr sz="2000" kern="1200">
+                  <a:solidFill>
+                    <a:schemeClr val="tx1">
+                      <a:tint val="75000"/>
+                    </a:schemeClr>
+                  </a:solidFill>
+                  <a:latin typeface="+mn-lt"/>
+                  <a:ea typeface="+mn-ea"/>
+                  <a:cs typeface="+mn-cs"/>
+                </a:defRPr>
+              </a:lvl9pPr>
+            </a:lstStyle>
+            <a:p>
+              <a:r>
+                <a:rPr lang="en-US" sz="1600" dirty="0">
+                  <a:solidFill>
+                    <a:schemeClr val="tx1"/>
+                  </a:solidFill>
+                  <a:latin typeface="Calibri" panose="020F0502020204030204" pitchFamily="34" charset="0"/>
+                  <a:ea typeface="Roboto Light" panose="02000000000000000000" pitchFamily="2" charset="0"/>
+                  <a:cs typeface="Roboto Light" panose="02000000000000000000" pitchFamily="2" charset="0"/>
+                </a:rPr>
+                <a:t>by Google</a:t>
+              </a:r>
+            </a:p>
+          </p:txBody>
+        </p:sp>
+      </p:grpSp>
     </p:spTree>
     <p:extLst>
       <p:ext uri="{BB962C8B-B14F-4D97-AF65-F5344CB8AC3E}">
-        <p14:creationId xmlns="" xmlns:p14="http://schemas.microsoft.com/office/powerpoint/2010/main" val="3436223543"/>
+        <p14:creationId xmlns:p14="http://schemas.microsoft.com/office/powerpoint/2010/main" val="3436223543"/>
       </p:ext>
     </p:extLst>
   </p:cSld>
@@ -2137,7 +2346,7 @@
           <a:lstStyle/>
           <a:p>
             <a:r>
-              <a:rPr lang="en-US" sz="1800" dirty="0" err="1" smtClean="0">
+              <a:rPr lang="en-US" sz="1800" dirty="0" err="1">
                 <a:latin typeface="Calibri" pitchFamily="34" charset="0"/>
               </a:rPr>
               <a:t>AngularJS</a:t>
@@ -2160,8 +2369,8 @@
         </p:nvSpPr>
         <p:spPr>
           <a:xfrm>
-            <a:off x="539552" y="2348880"/>
-            <a:ext cx="7920880" cy="4104456"/>
+            <a:off x="539552" y="2610590"/>
+            <a:ext cx="7920880" cy="3842745"/>
           </a:xfrm>
         </p:spPr>
         <p:txBody>
@@ -2169,164 +2378,170 @@
           <a:lstStyle/>
           <a:p>
             <a:r>
-              <a:rPr lang="ru-RU" sz="1800" b="1" dirty="0" err="1" smtClean="0">
+              <a:rPr lang="ru-RU" sz="1800" b="1" dirty="0" err="1">
                 <a:latin typeface="Calibri" pitchFamily="34" charset="0"/>
               </a:rPr>
               <a:t>AngularJS</a:t>
             </a:r>
             <a:r>
-              <a:rPr lang="ru-RU" sz="1800" dirty="0" err="1" smtClean="0">
-                <a:latin typeface="Calibri" pitchFamily="34" charset="0"/>
-              </a:rPr>
-              <a:t>-JavaScript-фреймворкс</a:t>
-            </a:r>
-            <a:r>
-              <a:rPr lang="ru-RU" sz="1800" dirty="0" smtClean="0">
-                <a:latin typeface="Calibri" pitchFamily="34" charset="0"/>
-              </a:rPr>
-              <a:t> открытым исходным кодом. Предназначен для разработки одностраничных приложений </a:t>
-            </a:r>
-            <a:r>
-              <a:rPr lang="en-US" sz="1800" dirty="0" smtClean="0">
-                <a:latin typeface="Calibri" pitchFamily="34" charset="0"/>
-              </a:rPr>
-              <a:t/>
+              <a:rPr lang="ru-RU" sz="1800" b="1" dirty="0">
+                <a:latin typeface="Calibri" pitchFamily="34" charset="0"/>
+              </a:rPr>
+              <a:t> </a:t>
+            </a:r>
+            <a:r>
+              <a:rPr lang="ru-RU" sz="1800" dirty="0">
+                <a:latin typeface="Calibri" pitchFamily="34" charset="0"/>
+              </a:rPr>
+              <a:t>- </a:t>
+            </a:r>
+            <a:r>
+              <a:rPr lang="ru-RU" sz="1800" dirty="0" err="1">
+                <a:latin typeface="Calibri" pitchFamily="34" charset="0"/>
+              </a:rPr>
+              <a:t>JavaScript-фреймворк</a:t>
+            </a:r>
+            <a:r>
+              <a:rPr lang="ru-RU" sz="1800" dirty="0">
+                <a:latin typeface="Calibri" pitchFamily="34" charset="0"/>
+              </a:rPr>
+              <a:t> с открытым исходным кодом. Предназначен для разработки одностраничных приложений </a:t>
             </a:r>
             <a:br>
-              <a:rPr lang="en-US" sz="1800" dirty="0" smtClean="0">
+              <a:rPr lang="en-US" sz="1800" dirty="0">
                 <a:latin typeface="Calibri" pitchFamily="34" charset="0"/>
               </a:rPr>
             </a:br>
             <a:r>
-              <a:rPr lang="ru-RU" sz="1800" dirty="0" smtClean="0">
+              <a:rPr lang="ru-RU" sz="1800" dirty="0">
                 <a:latin typeface="Calibri" pitchFamily="34" charset="0"/>
               </a:rPr>
               <a:t>(</a:t>
             </a:r>
             <a:r>
-              <a:rPr lang="ru-RU" sz="1800" dirty="0" err="1" smtClean="0">
+              <a:rPr lang="ru-RU" sz="1800" dirty="0" err="1">
                 <a:latin typeface="Calibri" pitchFamily="34" charset="0"/>
               </a:rPr>
               <a:t>Single</a:t>
             </a:r>
             <a:r>
-              <a:rPr lang="ru-RU" sz="1800" dirty="0" smtClean="0">
+              <a:rPr lang="ru-RU" sz="1800" dirty="0">
                 <a:latin typeface="Calibri" pitchFamily="34" charset="0"/>
               </a:rPr>
               <a:t> </a:t>
             </a:r>
             <a:r>
-              <a:rPr lang="ru-RU" sz="1800" dirty="0" err="1" smtClean="0">
+              <a:rPr lang="ru-RU" sz="1800" dirty="0" err="1">
                 <a:latin typeface="Calibri" pitchFamily="34" charset="0"/>
               </a:rPr>
               <a:t>Page</a:t>
             </a:r>
             <a:r>
-              <a:rPr lang="ru-RU" sz="1800" dirty="0" smtClean="0">
+              <a:rPr lang="ru-RU" sz="1800" dirty="0">
                 <a:latin typeface="Calibri" pitchFamily="34" charset="0"/>
               </a:rPr>
               <a:t> </a:t>
             </a:r>
             <a:r>
-              <a:rPr lang="ru-RU" sz="1800" dirty="0" err="1" smtClean="0">
+              <a:rPr lang="ru-RU" sz="1800" dirty="0" err="1">
                 <a:latin typeface="Calibri" pitchFamily="34" charset="0"/>
               </a:rPr>
               <a:t>Application</a:t>
             </a:r>
             <a:r>
-              <a:rPr lang="ru-RU" sz="1800" dirty="0" smtClean="0">
+              <a:rPr lang="ru-RU" sz="1800" dirty="0">
                 <a:latin typeface="Calibri" pitchFamily="34" charset="0"/>
               </a:rPr>
               <a:t>)</a:t>
             </a:r>
             <a:r>
-              <a:rPr lang="en-US" sz="1800" dirty="0" smtClean="0">
+              <a:rPr lang="en-US" sz="1800" dirty="0">
                 <a:latin typeface="Calibri" pitchFamily="34" charset="0"/>
               </a:rPr>
               <a:t>. </a:t>
             </a:r>
           </a:p>
           <a:p>
-            <a:endParaRPr lang="en-US" sz="1800" dirty="0" smtClean="0">
+            <a:endParaRPr lang="en-US" sz="1800" dirty="0">
               <a:latin typeface="Calibri" pitchFamily="34" charset="0"/>
             </a:endParaRPr>
           </a:p>
           <a:p>
             <a:r>
-              <a:rPr lang="en-US" sz="1800" dirty="0" err="1" smtClean="0">
-                <a:latin typeface="Calibri" pitchFamily="34" charset="0"/>
-              </a:rPr>
-              <a:t>AngularJS</a:t>
-            </a:r>
-            <a:r>
-              <a:rPr lang="en-US" sz="1800" dirty="0" smtClean="0">
+              <a:rPr lang="ru-RU" sz="1800" dirty="0">
+                <a:latin typeface="Calibri" pitchFamily="34" charset="0"/>
+              </a:rPr>
+              <a:t>В </a:t>
+            </a:r>
+            <a:r>
+              <a:rPr lang="en-US" sz="1800" dirty="0">
+                <a:latin typeface="Calibri" pitchFamily="34" charset="0"/>
+              </a:rPr>
+              <a:t>AngularJS </a:t>
+            </a:r>
+            <a:r>
+              <a:rPr lang="uk-UA" sz="1800" dirty="0" err="1">
+                <a:latin typeface="Calibri" pitchFamily="34" charset="0"/>
+              </a:rPr>
+              <a:t>приложения</a:t>
+            </a:r>
+            <a:r>
+              <a:rPr lang="uk-UA" sz="1800" dirty="0">
                 <a:latin typeface="Calibri" pitchFamily="34" charset="0"/>
               </a:rPr>
               <a:t> </a:t>
             </a:r>
             <a:r>
-              <a:rPr lang="uk-UA" sz="1800" dirty="0" err="1" smtClean="0">
-                <a:latin typeface="Calibri" pitchFamily="34" charset="0"/>
-              </a:rPr>
-              <a:t>приложения</a:t>
-            </a:r>
-            <a:r>
-              <a:rPr lang="uk-UA" sz="1800" dirty="0" smtClean="0">
-                <a:latin typeface="Calibri" pitchFamily="34" charset="0"/>
-              </a:rPr>
-              <a:t> </a:t>
-            </a:r>
-            <a:r>
-              <a:rPr lang="uk-UA" sz="1800" dirty="0" err="1" smtClean="0">
+              <a:rPr lang="uk-UA" sz="1800" dirty="0" err="1">
                 <a:latin typeface="Calibri" pitchFamily="34" charset="0"/>
               </a:rPr>
               <a:t>строятся</a:t>
             </a:r>
             <a:r>
-              <a:rPr lang="uk-UA" sz="1800" dirty="0" smtClean="0">
+              <a:rPr lang="uk-UA" sz="1800" dirty="0">
                 <a:latin typeface="Calibri" pitchFamily="34" charset="0"/>
               </a:rPr>
               <a:t> на </a:t>
             </a:r>
             <a:r>
-              <a:rPr lang="uk-UA" sz="1800" dirty="0" err="1" smtClean="0">
+              <a:rPr lang="uk-UA" sz="1800" dirty="0" err="1">
                 <a:latin typeface="Calibri" pitchFamily="34" charset="0"/>
               </a:rPr>
               <a:t>основе</a:t>
             </a:r>
             <a:r>
-              <a:rPr lang="uk-UA" sz="1800" dirty="0" smtClean="0">
+              <a:rPr lang="uk-UA" sz="1800" dirty="0">
                 <a:latin typeface="Calibri" pitchFamily="34" charset="0"/>
               </a:rPr>
               <a:t> шаблона </a:t>
             </a:r>
             <a:r>
-              <a:rPr lang="en-US" sz="1800" dirty="0" smtClean="0">
+              <a:rPr lang="en-US" sz="1800" dirty="0">
                 <a:latin typeface="Calibri" pitchFamily="34" charset="0"/>
               </a:rPr>
               <a:t>Model-View-Controller (MVC). </a:t>
             </a:r>
           </a:p>
           <a:p>
-            <a:endParaRPr lang="en-US" sz="1800" dirty="0" smtClean="0">
+            <a:endParaRPr lang="en-US" sz="1800" dirty="0">
               <a:latin typeface="Calibri" pitchFamily="34" charset="0"/>
             </a:endParaRPr>
           </a:p>
           <a:p>
             <a:r>
-              <a:rPr lang="ru-RU" sz="1800" dirty="0" smtClean="0">
+              <a:rPr lang="ru-RU" sz="1800" dirty="0">
                 <a:latin typeface="Calibri" pitchFamily="34" charset="0"/>
               </a:rPr>
               <a:t>Приложения написанные с использованием </a:t>
             </a:r>
             <a:r>
-              <a:rPr lang="ru-RU" sz="1800" dirty="0" err="1" smtClean="0">
+              <a:rPr lang="ru-RU" sz="1800" dirty="0" err="1">
                 <a:latin typeface="Calibri" pitchFamily="34" charset="0"/>
               </a:rPr>
               <a:t>AngularJS</a:t>
             </a:r>
             <a:r>
-              <a:rPr lang="ru-RU" sz="1800" dirty="0" smtClean="0">
+              <a:rPr lang="ru-RU" sz="1800" dirty="0">
                 <a:latin typeface="Calibri" pitchFamily="34" charset="0"/>
               </a:rPr>
               <a:t>:</a:t>
@@ -2337,36 +2552,36 @@
               <a:buNone/>
             </a:pPr>
             <a:r>
-              <a:rPr lang="en-US" sz="1800" dirty="0" smtClean="0">
+              <a:rPr lang="en-US" sz="1800" dirty="0">
                 <a:latin typeface="Calibri" pitchFamily="34" charset="0"/>
               </a:rPr>
               <a:t>		</a:t>
             </a:r>
             <a:r>
-              <a:rPr lang="ru-RU" sz="1800" dirty="0" smtClean="0">
+              <a:rPr lang="ru-RU" sz="1800" dirty="0">
                 <a:latin typeface="Calibri" pitchFamily="34" charset="0"/>
               </a:rPr>
               <a:t>•</a:t>
             </a:r>
             <a:r>
-              <a:rPr lang="en-US" sz="1800" dirty="0" smtClean="0">
+              <a:rPr lang="en-US" sz="1800" dirty="0">
                 <a:latin typeface="Calibri" pitchFamily="34" charset="0"/>
               </a:rPr>
               <a:t> </a:t>
             </a:r>
             <a:r>
-              <a:rPr lang="ru-RU" sz="1800" dirty="0" smtClean="0">
+              <a:rPr lang="ru-RU" sz="1800" dirty="0">
                 <a:latin typeface="Calibri" pitchFamily="34" charset="0"/>
               </a:rPr>
               <a:t>Легко </a:t>
             </a:r>
             <a:r>
-              <a:rPr lang="ru-RU" sz="1800" i="1" dirty="0" smtClean="0">
+              <a:rPr lang="ru-RU" sz="1800" i="1" dirty="0">
                 <a:latin typeface="Calibri" pitchFamily="34" charset="0"/>
               </a:rPr>
               <a:t>расширяемые</a:t>
             </a:r>
-            <a:endParaRPr lang="ru-RU" sz="1800" dirty="0" smtClean="0">
+            <a:endParaRPr lang="ru-RU" sz="1800" dirty="0">
               <a:latin typeface="Calibri" pitchFamily="34" charset="0"/>
             </a:endParaRPr>
           </a:p>
@@ -2375,36 +2590,36 @@
               <a:buNone/>
             </a:pPr>
             <a:r>
-              <a:rPr lang="en-US" sz="1800" dirty="0" smtClean="0">
+              <a:rPr lang="en-US" sz="1800" dirty="0">
                 <a:latin typeface="Calibri" pitchFamily="34" charset="0"/>
               </a:rPr>
               <a:t>		</a:t>
             </a:r>
             <a:r>
-              <a:rPr lang="ru-RU" sz="1800" dirty="0" smtClean="0">
+              <a:rPr lang="ru-RU" sz="1800" dirty="0">
                 <a:latin typeface="Calibri" pitchFamily="34" charset="0"/>
               </a:rPr>
               <a:t>•</a:t>
             </a:r>
             <a:r>
-              <a:rPr lang="en-US" sz="1800" dirty="0" smtClean="0">
+              <a:rPr lang="en-US" sz="1800" dirty="0">
                 <a:latin typeface="Calibri" pitchFamily="34" charset="0"/>
               </a:rPr>
               <a:t> </a:t>
             </a:r>
             <a:r>
-              <a:rPr lang="ru-RU" sz="1800" dirty="0" smtClean="0">
+              <a:rPr lang="ru-RU" sz="1800" dirty="0">
                 <a:latin typeface="Calibri" pitchFamily="34" charset="0"/>
               </a:rPr>
               <a:t>Легко </a:t>
             </a:r>
             <a:r>
-              <a:rPr lang="ru-RU" sz="1800" i="1" dirty="0" smtClean="0">
+              <a:rPr lang="ru-RU" sz="1800" i="1" dirty="0">
                 <a:latin typeface="Calibri" pitchFamily="34" charset="0"/>
               </a:rPr>
               <a:t>сопровождаемые</a:t>
             </a:r>
-            <a:endParaRPr lang="ru-RU" sz="1800" dirty="0" smtClean="0">
+            <a:endParaRPr lang="ru-RU" sz="1800" dirty="0">
               <a:latin typeface="Calibri" pitchFamily="34" charset="0"/>
             </a:endParaRPr>
           </a:p>
@@ -2413,36 +2628,36 @@
               <a:buNone/>
             </a:pPr>
             <a:r>
-              <a:rPr lang="en-US" sz="1800" dirty="0" smtClean="0">
+              <a:rPr lang="en-US" sz="1800" dirty="0">
                 <a:latin typeface="Calibri" pitchFamily="34" charset="0"/>
               </a:rPr>
               <a:t>		</a:t>
             </a:r>
             <a:r>
-              <a:rPr lang="ru-RU" sz="1800" dirty="0" smtClean="0">
+              <a:rPr lang="ru-RU" sz="1800" dirty="0">
                 <a:latin typeface="Calibri" pitchFamily="34" charset="0"/>
               </a:rPr>
               <a:t>•</a:t>
             </a:r>
             <a:r>
-              <a:rPr lang="en-US" sz="1800" dirty="0" smtClean="0">
+              <a:rPr lang="en-US" sz="1800" dirty="0">
                 <a:latin typeface="Calibri" pitchFamily="34" charset="0"/>
               </a:rPr>
               <a:t> </a:t>
             </a:r>
             <a:r>
-              <a:rPr lang="ru-RU" sz="1800" dirty="0" smtClean="0">
+              <a:rPr lang="ru-RU" sz="1800" dirty="0">
                 <a:latin typeface="Calibri" pitchFamily="34" charset="0"/>
               </a:rPr>
               <a:t>Поддаются </a:t>
             </a:r>
             <a:r>
-              <a:rPr lang="ru-RU" sz="1800" i="1" dirty="0" smtClean="0">
+              <a:rPr lang="ru-RU" sz="1800" i="1" dirty="0">
                 <a:latin typeface="Calibri" pitchFamily="34" charset="0"/>
               </a:rPr>
               <a:t>тестированию</a:t>
             </a:r>
-            <a:endParaRPr lang="ru-RU" sz="1800" dirty="0" smtClean="0">
+            <a:endParaRPr lang="ru-RU" sz="1800" dirty="0">
               <a:latin typeface="Calibri" pitchFamily="34" charset="0"/>
             </a:endParaRPr>
           </a:p>
@@ -2451,36 +2666,36 @@
               <a:buNone/>
             </a:pPr>
             <a:r>
-              <a:rPr lang="en-US" sz="1800" dirty="0" smtClean="0">
+              <a:rPr lang="en-US" sz="1800" dirty="0">
                 <a:latin typeface="Calibri" pitchFamily="34" charset="0"/>
               </a:rPr>
               <a:t>		</a:t>
             </a:r>
             <a:r>
-              <a:rPr lang="ru-RU" sz="1800" dirty="0" smtClean="0">
+              <a:rPr lang="ru-RU" sz="1800" dirty="0">
                 <a:latin typeface="Calibri" pitchFamily="34" charset="0"/>
               </a:rPr>
               <a:t>•</a:t>
             </a:r>
             <a:r>
-              <a:rPr lang="en-US" sz="1800" dirty="0" smtClean="0">
+              <a:rPr lang="en-US" sz="1800" dirty="0">
                 <a:latin typeface="Calibri" pitchFamily="34" charset="0"/>
               </a:rPr>
               <a:t> </a:t>
             </a:r>
             <a:r>
-              <a:rPr lang="ru-RU" sz="1800" dirty="0" smtClean="0">
+              <a:rPr lang="ru-RU" sz="1800" dirty="0">
                 <a:latin typeface="Calibri" pitchFamily="34" charset="0"/>
               </a:rPr>
               <a:t>Поддерживает </a:t>
             </a:r>
             <a:r>
-              <a:rPr lang="ru-RU" sz="1800" i="1" dirty="0" smtClean="0">
+              <a:rPr lang="ru-RU" sz="1800" i="1" dirty="0">
                 <a:latin typeface="Calibri" pitchFamily="34" charset="0"/>
               </a:rPr>
               <a:t>стандарты</a:t>
             </a:r>
-            <a:endParaRPr lang="ru-RU" sz="1800" dirty="0" smtClean="0">
+            <a:endParaRPr lang="ru-RU" sz="1800" dirty="0">
               <a:latin typeface="Calibri" pitchFamily="34" charset="0"/>
             </a:endParaRPr>
           </a:p>
@@ -2564,7 +2779,7 @@
           <a:lstStyle/>
           <a:p>
             <a:r>
-              <a:rPr lang="en-US" dirty="0" smtClean="0"/>
+              <a:rPr lang="en-US" dirty="0"/>
               <a:t>MVC (Model View Controller)</a:t>
             </a:r>
             <a:endParaRPr lang="uk-UA" dirty="0"/>
@@ -2663,15 +2878,15 @@
           <a:lstStyle/>
           <a:p>
             <a:r>
-              <a:rPr lang="en-US" dirty="0" smtClean="0"/>
+              <a:rPr lang="en-US" dirty="0"/>
               <a:t>MVC </a:t>
             </a:r>
             <a:r>
-              <a:rPr lang="ru-RU" dirty="0" smtClean="0"/>
+              <a:rPr lang="ru-RU" dirty="0"/>
               <a:t>в </a:t>
             </a:r>
             <a:r>
-              <a:rPr lang="en-US" dirty="0" smtClean="0"/>
+              <a:rPr lang="en-US" dirty="0"/>
               <a:t>Angular JS</a:t>
             </a:r>
             <a:endParaRPr lang="uk-UA" dirty="0"/>
@@ -2751,15 +2966,15 @@
           <a:lstStyle/>
           <a:p>
             <a:r>
-              <a:rPr lang="en-US" dirty="0" smtClean="0"/>
+              <a:rPr lang="en-US" dirty="0"/>
               <a:t>Model</a:t>
             </a:r>
             <a:r>
-              <a:rPr lang="ru-RU" dirty="0" smtClean="0"/>
+              <a:rPr lang="ru-RU" dirty="0"/>
               <a:t> </a:t>
             </a:r>
             <a:r>
-              <a:rPr lang="en-US" dirty="0" smtClean="0"/>
+              <a:rPr lang="en-US" dirty="0"/>
               <a:t>View Controller</a:t>
             </a:r>
             <a:endParaRPr lang="uk-UA" dirty="0"/>
@@ -2787,148 +3002,106 @@
           <a:lstStyle/>
           <a:p>
             <a:r>
-              <a:rPr lang="ru-RU" sz="2400" dirty="0" smtClean="0">
+              <a:rPr lang="ru-RU" sz="1800" dirty="0">
                 <a:latin typeface="Calibri" pitchFamily="34" charset="0"/>
               </a:rPr>
               <a:t>Модель (</a:t>
             </a:r>
             <a:r>
-              <a:rPr lang="ru-RU" sz="2400" b="1" dirty="0" smtClean="0">
+              <a:rPr lang="ru-RU" sz="1800" b="1" dirty="0">
                 <a:latin typeface="Calibri" pitchFamily="34" charset="0"/>
               </a:rPr>
               <a:t>M</a:t>
             </a:r>
             <a:r>
-              <a:rPr lang="ru-RU" sz="2400" dirty="0" smtClean="0">
-                <a:latin typeface="Calibri" pitchFamily="34" charset="0"/>
-              </a:rPr>
-              <a:t>VC)–содержит данные с которыми работает пользователь</a:t>
-            </a:r>
-            <a:r>
-              <a:rPr lang="ru-RU" sz="2400" dirty="0" smtClean="0">
-                <a:latin typeface="Calibri" pitchFamily="34" charset="0"/>
-              </a:rPr>
-              <a:t>.</a:t>
-            </a:r>
-            <a:r>
-              <a:rPr lang="en-US" sz="2400" dirty="0" smtClean="0">
+              <a:rPr lang="ru-RU" sz="1800" dirty="0">
+                <a:latin typeface="Calibri" pitchFamily="34" charset="0"/>
+              </a:rPr>
+              <a:t>VC)–содержит данные с которыми работает пользователь.</a:t>
+            </a:r>
+            <a:r>
+              <a:rPr lang="en-US" sz="1800" dirty="0">
                 <a:latin typeface="Calibri" pitchFamily="34" charset="0"/>
               </a:rPr>
               <a:t> </a:t>
             </a:r>
           </a:p>
           <a:p>
-            <a:endParaRPr lang="en-US" sz="2400" dirty="0" smtClean="0">
+            <a:endParaRPr lang="en-US" sz="1800" dirty="0">
               <a:latin typeface="Calibri" pitchFamily="34" charset="0"/>
             </a:endParaRPr>
           </a:p>
           <a:p>
             <a:r>
-              <a:rPr lang="ru-RU" sz="2400" dirty="0" smtClean="0">
+              <a:rPr lang="ru-RU" sz="1800" dirty="0">
                 <a:latin typeface="Calibri" pitchFamily="34" charset="0"/>
               </a:rPr>
               <a:t>Контроллер (MV</a:t>
             </a:r>
             <a:r>
-              <a:rPr lang="ru-RU" sz="2400" b="1" dirty="0" smtClean="0">
+              <a:rPr lang="ru-RU" sz="1800" b="1" dirty="0">
                 <a:latin typeface="Calibri" pitchFamily="34" charset="0"/>
               </a:rPr>
               <a:t>C</a:t>
             </a:r>
             <a:r>
-              <a:rPr lang="ru-RU" sz="2400" dirty="0" smtClean="0">
-                <a:latin typeface="Calibri" pitchFamily="34" charset="0"/>
-              </a:rPr>
-              <a:t>)–логика приложения, соединяет представление и модель. </a:t>
-            </a:r>
-            <a:r>
-              <a:rPr lang="ru-RU" sz="2400" dirty="0" smtClean="0">
-                <a:latin typeface="Calibri" pitchFamily="34" charset="0"/>
-              </a:rPr>
-              <a:t>Содержит </a:t>
-            </a:r>
-            <a:r>
-              <a:rPr lang="ru-RU" sz="2400" dirty="0" smtClean="0">
-                <a:latin typeface="Calibri" pitchFamily="34" charset="0"/>
-              </a:rPr>
-              <a:t>поведение (</a:t>
-            </a:r>
-            <a:r>
-              <a:rPr lang="ru-RU" sz="2400" dirty="0" err="1" smtClean="0">
+              <a:rPr lang="ru-RU" sz="1800" dirty="0">
+                <a:latin typeface="Calibri" pitchFamily="34" charset="0"/>
+              </a:rPr>
+              <a:t>)–логика приложения, соединяет представление и модель. Содержит поведение (</a:t>
+            </a:r>
+            <a:r>
+              <a:rPr lang="ru-RU" sz="1800" dirty="0" err="1">
                 <a:latin typeface="Calibri" pitchFamily="34" charset="0"/>
               </a:rPr>
               <a:t>behaviors</a:t>
             </a:r>
             <a:r>
-              <a:rPr lang="ru-RU" sz="2400" dirty="0" smtClean="0">
+              <a:rPr lang="ru-RU" sz="1800" dirty="0">
                 <a:latin typeface="Calibri" pitchFamily="34" charset="0"/>
               </a:rPr>
               <a:t>).</a:t>
             </a:r>
           </a:p>
           <a:p>
-            <a:endParaRPr lang="en-US" sz="2400" dirty="0" smtClean="0">
+            <a:endParaRPr lang="en-US" sz="1800" dirty="0">
               <a:latin typeface="Calibri" pitchFamily="34" charset="0"/>
             </a:endParaRPr>
           </a:p>
           <a:p>
             <a:r>
-              <a:rPr lang="ru-RU" sz="2400" dirty="0" smtClean="0">
+              <a:rPr lang="ru-RU" sz="1800" dirty="0">
                 <a:latin typeface="Calibri" pitchFamily="34" charset="0"/>
               </a:rPr>
               <a:t>Представление (M</a:t>
             </a:r>
             <a:r>
-              <a:rPr lang="ru-RU" sz="2400" b="1" dirty="0" smtClean="0">
+              <a:rPr lang="ru-RU" sz="1800" b="1" dirty="0">
                 <a:latin typeface="Calibri" pitchFamily="34" charset="0"/>
               </a:rPr>
               <a:t>V</a:t>
             </a:r>
             <a:r>
-              <a:rPr lang="ru-RU" sz="2400" dirty="0" smtClean="0">
-                <a:latin typeface="Calibri" pitchFamily="34" charset="0"/>
-              </a:rPr>
-              <a:t>C) –это HTML страница с элементами, которые </a:t>
-            </a:r>
-            <a:r>
-              <a:rPr lang="ru-RU" sz="2400" dirty="0" smtClean="0">
-                <a:latin typeface="Calibri" pitchFamily="34" charset="0"/>
-              </a:rPr>
-              <a:t>привязаны</a:t>
-            </a:r>
-            <a:r>
-              <a:rPr lang="en-US" sz="2400" dirty="0" smtClean="0">
+              <a:rPr lang="ru-RU" sz="1800" dirty="0">
+                <a:latin typeface="Calibri" pitchFamily="34" charset="0"/>
+              </a:rPr>
+              <a:t>C) –это HTML страница с элементами, которые привязаны</a:t>
+            </a:r>
+            <a:r>
+              <a:rPr lang="en-US" sz="1800" dirty="0">
                 <a:latin typeface="Calibri" pitchFamily="34" charset="0"/>
               </a:rPr>
               <a:t> </a:t>
             </a:r>
             <a:r>
-              <a:rPr lang="ru-RU" sz="2400" dirty="0" smtClean="0">
-                <a:latin typeface="Calibri" pitchFamily="34" charset="0"/>
-              </a:rPr>
-              <a:t>к </a:t>
-            </a:r>
-            <a:r>
-              <a:rPr lang="ru-RU" sz="2400" dirty="0" smtClean="0">
-                <a:latin typeface="Calibri" pitchFamily="34" charset="0"/>
-              </a:rPr>
-              <a:t>данным, а также сгенерированные HTML элементы отображающие пользователю </a:t>
-            </a:r>
-            <a:r>
-              <a:rPr lang="ru-RU" sz="2400" dirty="0" smtClean="0">
-                <a:latin typeface="Calibri" pitchFamily="34" charset="0"/>
-              </a:rPr>
-              <a:t>информацию</a:t>
-            </a:r>
-            <a:r>
-              <a:rPr lang="ru-RU" sz="2400" dirty="0" smtClean="0">
-                <a:latin typeface="Calibri" pitchFamily="34" charset="0"/>
-              </a:rPr>
-              <a:t>.</a:t>
-            </a:r>
-          </a:p>
-          <a:p>
-            <a:endParaRPr lang="uk-UA" sz="2400" dirty="0">
+              <a:rPr lang="ru-RU" sz="1800" dirty="0">
+                <a:latin typeface="Calibri" pitchFamily="34" charset="0"/>
+              </a:rPr>
+              <a:t>к данным, а также сгенерированные HTML элементы отображающие пользователю информацию.</a:t>
+            </a:r>
+          </a:p>
+          <a:p>
+            <a:endParaRPr lang="uk-UA" sz="1800" dirty="0">
               <a:latin typeface="Calibri" pitchFamily="34" charset="0"/>
             </a:endParaRPr>
           </a:p>
@@ -2975,11 +3148,11 @@
           <a:lstStyle/>
           <a:p>
             <a:r>
-              <a:rPr lang="en-US" dirty="0" err="1" smtClean="0"/>
+              <a:rPr lang="en-US" dirty="0" err="1"/>
               <a:t>AngularJS</a:t>
             </a:r>
             <a:r>
-              <a:rPr lang="en-US" dirty="0" smtClean="0"/>
+              <a:rPr lang="en-US" dirty="0"/>
               <a:t> Application</a:t>
             </a:r>
             <a:endParaRPr lang="uk-UA" dirty="0"/>
